--- a/meetings/CorneaAIPaper.pptx
+++ b/meetings/CorneaAIPaper.pptx
@@ -18,7 +18,6 @@
     <p:sldId id="263" r:id="rId13"/>
     <p:sldId id="264" r:id="rId14"/>
     <p:sldId id="265" r:id="rId15"/>
-    <p:sldId id="266" r:id="rId16"/>
   </p:sldIdLst>
   <p:sldSz cy="5143500" cx="9144000"/>
   <p:notesSz cx="6858000" cy="9144000"/>
@@ -800,7 +799,7 @@
   <p:cSld>
     <p:spTree>
       <p:nvGrpSpPr>
-        <p:cNvPr id="112" name="Shape 112"/>
+        <p:cNvPr id="111" name="Shape 111"/>
         <p:cNvGrpSpPr/>
         <p:nvPr/>
       </p:nvGrpSpPr>
@@ -814,7 +813,7 @@
       </p:grpSpPr>
       <p:sp>
         <p:nvSpPr>
-          <p:cNvPr id="113" name="Google Shape;113;gedf5df2b5a_0_33:notes"/>
+          <p:cNvPr id="112" name="Google Shape;112;gf05f4a1f07_0_256:notes"/>
           <p:cNvSpPr/>
           <p:nvPr>
             <p:ph idx="2" type="sldImg"/>
@@ -849,7 +848,7 @@
       </p:sp>
       <p:sp>
         <p:nvSpPr>
-          <p:cNvPr id="114" name="Google Shape;114;gedf5df2b5a_0_33:notes"/>
+          <p:cNvPr id="113" name="Google Shape;113;gf05f4a1f07_0_256:notes"/>
           <p:cNvSpPr txBox="1"/>
           <p:nvPr>
             <p:ph idx="1" type="body"/>
@@ -894,12 +893,12 @@
 </p:notes>
 </file>
 
-<file path=ppt/notesSlides/notesSlide11.xml><?xml version="1.0" encoding="utf-8"?>
+<file path=ppt/notesSlides/notesSlide2.xml><?xml version="1.0" encoding="utf-8"?>
 <p:notes xmlns:a="http://schemas.openxmlformats.org/drawingml/2006/main" xmlns:r="http://schemas.openxmlformats.org/officeDocument/2006/relationships" xmlns:mc="http://schemas.openxmlformats.org/markup-compatibility/2006" xmlns:mv="urn:schemas-microsoft-com:mac:vml" xmlns:p="http://schemas.openxmlformats.org/presentationml/2006/main" xmlns:c="http://schemas.openxmlformats.org/drawingml/2006/chart" xmlns:dgm="http://schemas.openxmlformats.org/drawingml/2006/diagram" xmlns:o="urn:schemas-microsoft-com:office:office" xmlns:v="urn:schemas-microsoft-com:vml" xmlns:pvml="urn:schemas-microsoft-com:office:powerpoint" xmlns:com="http://schemas.openxmlformats.org/drawingml/2006/compatibility" xmlns:p14="http://schemas.microsoft.com/office/powerpoint/2010/main" xmlns:p15="http://schemas.microsoft.com/office/powerpoint/2012/main" xmlns:ahyp="http://schemas.microsoft.com/office/drawing/2018/hyperlinkcolor" showMasterPhAnim="0" showMasterSp="0">
   <p:cSld>
     <p:spTree>
       <p:nvGrpSpPr>
-        <p:cNvPr id="118" name="Shape 118"/>
+        <p:cNvPr id="59" name="Shape 59"/>
         <p:cNvGrpSpPr/>
         <p:nvPr/>
       </p:nvGrpSpPr>
@@ -913,7 +912,7 @@
       </p:grpSpPr>
       <p:sp>
         <p:nvSpPr>
-          <p:cNvPr id="119" name="Google Shape;119;gf05f4a1f07_0_256:notes"/>
+          <p:cNvPr id="60" name="Google Shape;60;gf05f4a1f07_0_216:notes"/>
           <p:cNvSpPr/>
           <p:nvPr>
             <p:ph idx="2" type="sldImg"/>
@@ -948,7 +947,7 @@
       </p:sp>
       <p:sp>
         <p:nvSpPr>
-          <p:cNvPr id="120" name="Google Shape;120;gf05f4a1f07_0_256:notes"/>
+          <p:cNvPr id="61" name="Google Shape;61;gf05f4a1f07_0_216:notes"/>
           <p:cNvSpPr txBox="1"/>
           <p:nvPr>
             <p:ph idx="1" type="body"/>
@@ -993,12 +992,12 @@
 </p:notes>
 </file>
 
-<file path=ppt/notesSlides/notesSlide2.xml><?xml version="1.0" encoding="utf-8"?>
+<file path=ppt/notesSlides/notesSlide3.xml><?xml version="1.0" encoding="utf-8"?>
 <p:notes xmlns:a="http://schemas.openxmlformats.org/drawingml/2006/main" xmlns:r="http://schemas.openxmlformats.org/officeDocument/2006/relationships" xmlns:mc="http://schemas.openxmlformats.org/markup-compatibility/2006" xmlns:mv="urn:schemas-microsoft-com:mac:vml" xmlns:p="http://schemas.openxmlformats.org/presentationml/2006/main" xmlns:c="http://schemas.openxmlformats.org/drawingml/2006/chart" xmlns:dgm="http://schemas.openxmlformats.org/drawingml/2006/diagram" xmlns:o="urn:schemas-microsoft-com:office:office" xmlns:v="urn:schemas-microsoft-com:vml" xmlns:pvml="urn:schemas-microsoft-com:office:powerpoint" xmlns:com="http://schemas.openxmlformats.org/drawingml/2006/compatibility" xmlns:p14="http://schemas.microsoft.com/office/powerpoint/2010/main" xmlns:p15="http://schemas.microsoft.com/office/powerpoint/2012/main" xmlns:ahyp="http://schemas.microsoft.com/office/drawing/2018/hyperlinkcolor" showMasterPhAnim="0" showMasterSp="0">
   <p:cSld>
     <p:spTree>
       <p:nvGrpSpPr>
-        <p:cNvPr id="57" name="Shape 57"/>
+        <p:cNvPr id="65" name="Shape 65"/>
         <p:cNvGrpSpPr/>
         <p:nvPr/>
       </p:nvGrpSpPr>
@@ -1012,7 +1011,7 @@
       </p:grpSpPr>
       <p:sp>
         <p:nvSpPr>
-          <p:cNvPr id="58" name="Google Shape;58;gf05f4a1f07_0_216:notes"/>
+          <p:cNvPr id="66" name="Google Shape;66;gf05f4a1f07_0_225:notes"/>
           <p:cNvSpPr/>
           <p:nvPr>
             <p:ph idx="2" type="sldImg"/>
@@ -1047,7 +1046,7 @@
       </p:sp>
       <p:sp>
         <p:nvSpPr>
-          <p:cNvPr id="59" name="Google Shape;59;gf05f4a1f07_0_216:notes"/>
+          <p:cNvPr id="67" name="Google Shape;67;gf05f4a1f07_0_225:notes"/>
           <p:cNvSpPr txBox="1"/>
           <p:nvPr>
             <p:ph idx="1" type="body"/>
@@ -1092,12 +1091,12 @@
 </p:notes>
 </file>
 
-<file path=ppt/notesSlides/notesSlide3.xml><?xml version="1.0" encoding="utf-8"?>
+<file path=ppt/notesSlides/notesSlide4.xml><?xml version="1.0" encoding="utf-8"?>
 <p:notes xmlns:a="http://schemas.openxmlformats.org/drawingml/2006/main" xmlns:r="http://schemas.openxmlformats.org/officeDocument/2006/relationships" xmlns:mc="http://schemas.openxmlformats.org/markup-compatibility/2006" xmlns:mv="urn:schemas-microsoft-com:mac:vml" xmlns:p="http://schemas.openxmlformats.org/presentationml/2006/main" xmlns:c="http://schemas.openxmlformats.org/drawingml/2006/chart" xmlns:dgm="http://schemas.openxmlformats.org/drawingml/2006/diagram" xmlns:o="urn:schemas-microsoft-com:office:office" xmlns:v="urn:schemas-microsoft-com:vml" xmlns:pvml="urn:schemas-microsoft-com:office:powerpoint" xmlns:com="http://schemas.openxmlformats.org/drawingml/2006/compatibility" xmlns:p14="http://schemas.microsoft.com/office/powerpoint/2010/main" xmlns:p15="http://schemas.microsoft.com/office/powerpoint/2012/main" xmlns:ahyp="http://schemas.microsoft.com/office/drawing/2018/hyperlinkcolor" showMasterPhAnim="0" showMasterSp="0">
   <p:cSld>
     <p:spTree>
       <p:nvGrpSpPr>
-        <p:cNvPr id="63" name="Shape 63"/>
+        <p:cNvPr id="71" name="Shape 71"/>
         <p:cNvGrpSpPr/>
         <p:nvPr/>
       </p:nvGrpSpPr>
@@ -1111,7 +1110,7 @@
       </p:grpSpPr>
       <p:sp>
         <p:nvSpPr>
-          <p:cNvPr id="64" name="Google Shape;64;gf05f4a1f07_0_225:notes"/>
+          <p:cNvPr id="72" name="Google Shape;72;gf05f4a1f07_0_233:notes"/>
           <p:cNvSpPr/>
           <p:nvPr>
             <p:ph idx="2" type="sldImg"/>
@@ -1146,7 +1145,7 @@
       </p:sp>
       <p:sp>
         <p:nvSpPr>
-          <p:cNvPr id="65" name="Google Shape;65;gf05f4a1f07_0_225:notes"/>
+          <p:cNvPr id="73" name="Google Shape;73;gf05f4a1f07_0_233:notes"/>
           <p:cNvSpPr txBox="1"/>
           <p:nvPr>
             <p:ph idx="1" type="body"/>
@@ -1191,12 +1190,12 @@
 </p:notes>
 </file>
 
-<file path=ppt/notesSlides/notesSlide4.xml><?xml version="1.0" encoding="utf-8"?>
+<file path=ppt/notesSlides/notesSlide5.xml><?xml version="1.0" encoding="utf-8"?>
 <p:notes xmlns:a="http://schemas.openxmlformats.org/drawingml/2006/main" xmlns:r="http://schemas.openxmlformats.org/officeDocument/2006/relationships" xmlns:mc="http://schemas.openxmlformats.org/markup-compatibility/2006" xmlns:mv="urn:schemas-microsoft-com:mac:vml" xmlns:p="http://schemas.openxmlformats.org/presentationml/2006/main" xmlns:c="http://schemas.openxmlformats.org/drawingml/2006/chart" xmlns:dgm="http://schemas.openxmlformats.org/drawingml/2006/diagram" xmlns:o="urn:schemas-microsoft-com:office:office" xmlns:v="urn:schemas-microsoft-com:vml" xmlns:pvml="urn:schemas-microsoft-com:office:powerpoint" xmlns:com="http://schemas.openxmlformats.org/drawingml/2006/compatibility" xmlns:p14="http://schemas.microsoft.com/office/powerpoint/2010/main" xmlns:p15="http://schemas.microsoft.com/office/powerpoint/2012/main" xmlns:ahyp="http://schemas.microsoft.com/office/drawing/2018/hyperlinkcolor" showMasterPhAnim="0" showMasterSp="0">
   <p:cSld>
     <p:spTree>
       <p:nvGrpSpPr>
-        <p:cNvPr id="69" name="Shape 69"/>
+        <p:cNvPr id="79" name="Shape 79"/>
         <p:cNvGrpSpPr/>
         <p:nvPr/>
       </p:nvGrpSpPr>
@@ -1210,7 +1209,7 @@
       </p:grpSpPr>
       <p:sp>
         <p:nvSpPr>
-          <p:cNvPr id="70" name="Google Shape;70;gf05f4a1f07_0_233:notes"/>
+          <p:cNvPr id="80" name="Google Shape;80;gedf5df2b5a_0_11:notes"/>
           <p:cNvSpPr/>
           <p:nvPr>
             <p:ph idx="2" type="sldImg"/>
@@ -1245,7 +1244,7 @@
       </p:sp>
       <p:sp>
         <p:nvSpPr>
-          <p:cNvPr id="71" name="Google Shape;71;gf05f4a1f07_0_233:notes"/>
+          <p:cNvPr id="81" name="Google Shape;81;gedf5df2b5a_0_11:notes"/>
           <p:cNvSpPr txBox="1"/>
           <p:nvPr>
             <p:ph idx="1" type="body"/>
@@ -1290,12 +1289,12 @@
 </p:notes>
 </file>
 
-<file path=ppt/notesSlides/notesSlide5.xml><?xml version="1.0" encoding="utf-8"?>
+<file path=ppt/notesSlides/notesSlide6.xml><?xml version="1.0" encoding="utf-8"?>
 <p:notes xmlns:a="http://schemas.openxmlformats.org/drawingml/2006/main" xmlns:r="http://schemas.openxmlformats.org/officeDocument/2006/relationships" xmlns:mc="http://schemas.openxmlformats.org/markup-compatibility/2006" xmlns:mv="urn:schemas-microsoft-com:mac:vml" xmlns:p="http://schemas.openxmlformats.org/presentationml/2006/main" xmlns:c="http://schemas.openxmlformats.org/drawingml/2006/chart" xmlns:dgm="http://schemas.openxmlformats.org/drawingml/2006/diagram" xmlns:o="urn:schemas-microsoft-com:office:office" xmlns:v="urn:schemas-microsoft-com:vml" xmlns:pvml="urn:schemas-microsoft-com:office:powerpoint" xmlns:com="http://schemas.openxmlformats.org/drawingml/2006/compatibility" xmlns:p14="http://schemas.microsoft.com/office/powerpoint/2010/main" xmlns:p15="http://schemas.microsoft.com/office/powerpoint/2012/main" xmlns:ahyp="http://schemas.microsoft.com/office/drawing/2018/hyperlinkcolor" showMasterPhAnim="0" showMasterSp="0">
   <p:cSld>
     <p:spTree>
       <p:nvGrpSpPr>
-        <p:cNvPr id="77" name="Shape 77"/>
+        <p:cNvPr id="86" name="Shape 86"/>
         <p:cNvGrpSpPr/>
         <p:nvPr/>
       </p:nvGrpSpPr>
@@ -1309,7 +1308,7 @@
       </p:grpSpPr>
       <p:sp>
         <p:nvSpPr>
-          <p:cNvPr id="78" name="Google Shape;78;gedf5df2b5a_0_11:notes"/>
+          <p:cNvPr id="87" name="Google Shape;87;gf05f4a1f07_0_263:notes"/>
           <p:cNvSpPr/>
           <p:nvPr>
             <p:ph idx="2" type="sldImg"/>
@@ -1344,7 +1343,7 @@
       </p:sp>
       <p:sp>
         <p:nvSpPr>
-          <p:cNvPr id="79" name="Google Shape;79;gedf5df2b5a_0_11:notes"/>
+          <p:cNvPr id="88" name="Google Shape;88;gf05f4a1f07_0_263:notes"/>
           <p:cNvSpPr txBox="1"/>
           <p:nvPr>
             <p:ph idx="1" type="body"/>
@@ -1389,12 +1388,12 @@
 </p:notes>
 </file>
 
-<file path=ppt/notesSlides/notesSlide6.xml><?xml version="1.0" encoding="utf-8"?>
+<file path=ppt/notesSlides/notesSlide7.xml><?xml version="1.0" encoding="utf-8"?>
 <p:notes xmlns:a="http://schemas.openxmlformats.org/drawingml/2006/main" xmlns:r="http://schemas.openxmlformats.org/officeDocument/2006/relationships" xmlns:mc="http://schemas.openxmlformats.org/markup-compatibility/2006" xmlns:mv="urn:schemas-microsoft-com:mac:vml" xmlns:p="http://schemas.openxmlformats.org/presentationml/2006/main" xmlns:c="http://schemas.openxmlformats.org/drawingml/2006/chart" xmlns:dgm="http://schemas.openxmlformats.org/drawingml/2006/diagram" xmlns:o="urn:schemas-microsoft-com:office:office" xmlns:v="urn:schemas-microsoft-com:vml" xmlns:pvml="urn:schemas-microsoft-com:office:powerpoint" xmlns:com="http://schemas.openxmlformats.org/drawingml/2006/compatibility" xmlns:p14="http://schemas.microsoft.com/office/powerpoint/2010/main" xmlns:p15="http://schemas.microsoft.com/office/powerpoint/2012/main" xmlns:ahyp="http://schemas.microsoft.com/office/drawing/2018/hyperlinkcolor" showMasterPhAnim="0" showMasterSp="0">
   <p:cSld>
     <p:spTree>
       <p:nvGrpSpPr>
-        <p:cNvPr id="84" name="Shape 84"/>
+        <p:cNvPr id="93" name="Shape 93"/>
         <p:cNvGrpSpPr/>
         <p:nvPr/>
       </p:nvGrpSpPr>
@@ -1408,7 +1407,7 @@
       </p:grpSpPr>
       <p:sp>
         <p:nvSpPr>
-          <p:cNvPr id="85" name="Google Shape;85;gf05f4a1f07_0_263:notes"/>
+          <p:cNvPr id="94" name="Google Shape;94;gf05f4a1f07_0_247:notes"/>
           <p:cNvSpPr/>
           <p:nvPr>
             <p:ph idx="2" type="sldImg"/>
@@ -1443,7 +1442,7 @@
       </p:sp>
       <p:sp>
         <p:nvSpPr>
-          <p:cNvPr id="86" name="Google Shape;86;gf05f4a1f07_0_263:notes"/>
+          <p:cNvPr id="95" name="Google Shape;95;gf05f4a1f07_0_247:notes"/>
           <p:cNvSpPr txBox="1"/>
           <p:nvPr>
             <p:ph idx="1" type="body"/>
@@ -1488,12 +1487,12 @@
 </p:notes>
 </file>
 
-<file path=ppt/notesSlides/notesSlide7.xml><?xml version="1.0" encoding="utf-8"?>
+<file path=ppt/notesSlides/notesSlide8.xml><?xml version="1.0" encoding="utf-8"?>
 <p:notes xmlns:a="http://schemas.openxmlformats.org/drawingml/2006/main" xmlns:r="http://schemas.openxmlformats.org/officeDocument/2006/relationships" xmlns:mc="http://schemas.openxmlformats.org/markup-compatibility/2006" xmlns:mv="urn:schemas-microsoft-com:mac:vml" xmlns:p="http://schemas.openxmlformats.org/presentationml/2006/main" xmlns:c="http://schemas.openxmlformats.org/drawingml/2006/chart" xmlns:dgm="http://schemas.openxmlformats.org/drawingml/2006/diagram" xmlns:o="urn:schemas-microsoft-com:office:office" xmlns:v="urn:schemas-microsoft-com:vml" xmlns:pvml="urn:schemas-microsoft-com:office:powerpoint" xmlns:com="http://schemas.openxmlformats.org/drawingml/2006/compatibility" xmlns:p14="http://schemas.microsoft.com/office/powerpoint/2010/main" xmlns:p15="http://schemas.microsoft.com/office/powerpoint/2012/main" xmlns:ahyp="http://schemas.microsoft.com/office/drawing/2018/hyperlinkcolor" showMasterPhAnim="0" showMasterSp="0">
   <p:cSld>
     <p:spTree>
       <p:nvGrpSpPr>
-        <p:cNvPr id="91" name="Shape 91"/>
+        <p:cNvPr id="99" name="Shape 99"/>
         <p:cNvGrpSpPr/>
         <p:nvPr/>
       </p:nvGrpSpPr>
@@ -1507,7 +1506,7 @@
       </p:grpSpPr>
       <p:sp>
         <p:nvSpPr>
-          <p:cNvPr id="92" name="Google Shape;92;gf05f4a1f07_0_247:notes"/>
+          <p:cNvPr id="100" name="Google Shape;100;gedf5df2b5a_0_0:notes"/>
           <p:cNvSpPr/>
           <p:nvPr>
             <p:ph idx="2" type="sldImg"/>
@@ -1542,7 +1541,7 @@
       </p:sp>
       <p:sp>
         <p:nvSpPr>
-          <p:cNvPr id="93" name="Google Shape;93;gf05f4a1f07_0_247:notes"/>
+          <p:cNvPr id="101" name="Google Shape;101;gedf5df2b5a_0_0:notes"/>
           <p:cNvSpPr txBox="1"/>
           <p:nvPr>
             <p:ph idx="1" type="body"/>
@@ -1587,12 +1586,12 @@
 </p:notes>
 </file>
 
-<file path=ppt/notesSlides/notesSlide8.xml><?xml version="1.0" encoding="utf-8"?>
+<file path=ppt/notesSlides/notesSlide9.xml><?xml version="1.0" encoding="utf-8"?>
 <p:notes xmlns:a="http://schemas.openxmlformats.org/drawingml/2006/main" xmlns:r="http://schemas.openxmlformats.org/officeDocument/2006/relationships" xmlns:mc="http://schemas.openxmlformats.org/markup-compatibility/2006" xmlns:mv="urn:schemas-microsoft-com:mac:vml" xmlns:p="http://schemas.openxmlformats.org/presentationml/2006/main" xmlns:c="http://schemas.openxmlformats.org/drawingml/2006/chart" xmlns:dgm="http://schemas.openxmlformats.org/drawingml/2006/diagram" xmlns:o="urn:schemas-microsoft-com:office:office" xmlns:v="urn:schemas-microsoft-com:vml" xmlns:pvml="urn:schemas-microsoft-com:office:powerpoint" xmlns:com="http://schemas.openxmlformats.org/drawingml/2006/compatibility" xmlns:p14="http://schemas.microsoft.com/office/powerpoint/2010/main" xmlns:p15="http://schemas.microsoft.com/office/powerpoint/2012/main" xmlns:ahyp="http://schemas.microsoft.com/office/drawing/2018/hyperlinkcolor" showMasterPhAnim="0" showMasterSp="0">
   <p:cSld>
     <p:spTree>
       <p:nvGrpSpPr>
-        <p:cNvPr id="97" name="Shape 97"/>
+        <p:cNvPr id="105" name="Shape 105"/>
         <p:cNvGrpSpPr/>
         <p:nvPr/>
       </p:nvGrpSpPr>
@@ -1606,7 +1605,7 @@
       </p:grpSpPr>
       <p:sp>
         <p:nvSpPr>
-          <p:cNvPr id="98" name="Google Shape;98;gedf5df2b5a_0_0:notes"/>
+          <p:cNvPr id="106" name="Google Shape;106;gedf5df2b5a_0_33:notes"/>
           <p:cNvSpPr/>
           <p:nvPr>
             <p:ph idx="2" type="sldImg"/>
@@ -1641,106 +1640,7 @@
       </p:sp>
       <p:sp>
         <p:nvSpPr>
-          <p:cNvPr id="99" name="Google Shape;99;gedf5df2b5a_0_0:notes"/>
-          <p:cNvSpPr txBox="1"/>
-          <p:nvPr>
-            <p:ph idx="1" type="body"/>
-          </p:nvPr>
-        </p:nvSpPr>
-        <p:spPr>
-          <a:xfrm>
-            <a:off x="685800" y="4343400"/>
-            <a:ext cx="5486400" cy="4114800"/>
-          </a:xfrm>
-          <a:prstGeom prst="rect">
-            <a:avLst/>
-          </a:prstGeom>
-        </p:spPr>
-        <p:txBody>
-          <a:bodyPr anchorCtr="0" anchor="t" bIns="91425" lIns="91425" spcFirstLastPara="1" rIns="91425" wrap="square" tIns="91425">
-            <a:noAutofit/>
-          </a:bodyPr>
-          <a:lstStyle/>
-          <a:p>
-            <a:pPr indent="0" lvl="0" marL="0" rtl="0" algn="l">
-              <a:spcBef>
-                <a:spcPts val="0"/>
-              </a:spcBef>
-              <a:spcAft>
-                <a:spcPts val="0"/>
-              </a:spcAft>
-              <a:buNone/>
-            </a:pPr>
-            <a:r>
-              <a:t/>
-            </a:r>
-            <a:endParaRPr/>
-          </a:p>
-        </p:txBody>
-      </p:sp>
-    </p:spTree>
-  </p:cSld>
-  <p:clrMapOvr>
-    <a:masterClrMapping/>
-  </p:clrMapOvr>
-</p:notes>
-</file>
-
-<file path=ppt/notesSlides/notesSlide9.xml><?xml version="1.0" encoding="utf-8"?>
-<p:notes xmlns:a="http://schemas.openxmlformats.org/drawingml/2006/main" xmlns:r="http://schemas.openxmlformats.org/officeDocument/2006/relationships" xmlns:mc="http://schemas.openxmlformats.org/markup-compatibility/2006" xmlns:mv="urn:schemas-microsoft-com:mac:vml" xmlns:p="http://schemas.openxmlformats.org/presentationml/2006/main" xmlns:c="http://schemas.openxmlformats.org/drawingml/2006/chart" xmlns:dgm="http://schemas.openxmlformats.org/drawingml/2006/diagram" xmlns:o="urn:schemas-microsoft-com:office:office" xmlns:v="urn:schemas-microsoft-com:vml" xmlns:pvml="urn:schemas-microsoft-com:office:powerpoint" xmlns:com="http://schemas.openxmlformats.org/drawingml/2006/compatibility" xmlns:p14="http://schemas.microsoft.com/office/powerpoint/2010/main" xmlns:p15="http://schemas.microsoft.com/office/powerpoint/2012/main" xmlns:ahyp="http://schemas.microsoft.com/office/drawing/2018/hyperlinkcolor" showMasterPhAnim="0" showMasterSp="0">
-  <p:cSld>
-    <p:spTree>
-      <p:nvGrpSpPr>
-        <p:cNvPr id="103" name="Shape 103"/>
-        <p:cNvGrpSpPr/>
-        <p:nvPr/>
-      </p:nvGrpSpPr>
-      <p:grpSpPr>
-        <a:xfrm>
-          <a:off x="0" y="0"/>
-          <a:ext cx="0" cy="0"/>
-          <a:chOff x="0" y="0"/>
-          <a:chExt cx="0" cy="0"/>
-        </a:xfrm>
-      </p:grpSpPr>
-      <p:sp>
-        <p:nvSpPr>
-          <p:cNvPr id="104" name="Google Shape;104;gedf5df2b5a_0_21:notes"/>
-          <p:cNvSpPr/>
-          <p:nvPr>
-            <p:ph idx="2" type="sldImg"/>
-          </p:nvPr>
-        </p:nvSpPr>
-        <p:spPr>
-          <a:xfrm>
-            <a:off x="381300" y="685800"/>
-            <a:ext cx="6096000" cy="3429000"/>
-          </a:xfrm>
-          <a:custGeom>
-            <a:rect b="b" l="l" r="r" t="t"/>
-            <a:pathLst>
-              <a:path extrusionOk="0" h="120000" w="120000">
-                <a:moveTo>
-                  <a:pt x="0" y="0"/>
-                </a:moveTo>
-                <a:lnTo>
-                  <a:pt x="120000" y="0"/>
-                </a:lnTo>
-                <a:lnTo>
-                  <a:pt x="120000" y="120000"/>
-                </a:lnTo>
-                <a:lnTo>
-                  <a:pt x="0" y="120000"/>
-                </a:lnTo>
-                <a:close/>
-              </a:path>
-            </a:pathLst>
-          </a:custGeom>
-        </p:spPr>
-      </p:sp>
-      <p:sp>
-        <p:nvSpPr>
-          <p:cNvPr id="105" name="Google Shape;105;gedf5df2b5a_0_21:notes"/>
+          <p:cNvPr id="107" name="Google Shape;107;gedf5df2b5a_0_33:notes"/>
           <p:cNvSpPr txBox="1"/>
           <p:nvPr>
             <p:ph idx="1" type="body"/>
@@ -6574,7 +6474,7 @@
         <p:spPr>
           <a:xfrm>
             <a:off x="1153075" y="3851650"/>
-            <a:ext cx="5383800" cy="469500"/>
+            <a:ext cx="5940600" cy="800700"/>
           </a:xfrm>
           <a:prstGeom prst="rect">
             <a:avLst/>
@@ -6591,7 +6491,7 @@
         </p:spPr>
         <p:txBody>
           <a:bodyPr anchorCtr="0" anchor="t" bIns="91425" lIns="91425" spcFirstLastPara="1" rIns="91425" wrap="square" tIns="91425">
-            <a:normAutofit/>
+            <a:noAutofit/>
           </a:bodyPr>
           <a:lstStyle/>
           <a:p>
@@ -6605,10 +6505,23 @@
               <a:buNone/>
             </a:pPr>
             <a:r>
-              <a:rPr lang="pt-BR" sz="1600"/>
-              <a:t>Edvonaldo Horácio dos Santos (edvonaldohs@ic.ufal.br)</a:t>
+              <a:rPr lang="pt-BR" sz="1400"/>
+              <a:t>Edvonaldo Horácio dos Santos (</a:t>
             </a:r>
-            <a:endParaRPr sz="1600"/>
+            <a:r>
+              <a:rPr lang="pt-BR" sz="1400" u="sng">
+                <a:solidFill>
+                  <a:schemeClr val="hlink"/>
+                </a:solidFill>
+                <a:hlinkClick r:id="rId4"/>
+              </a:rPr>
+              <a:t>edvonaldohs@ic.ufal.br</a:t>
+            </a:r>
+            <a:r>
+              <a:rPr lang="pt-BR" sz="1400"/>
+              <a:t>)</a:t>
+            </a:r>
+            <a:endParaRPr sz="1400"/>
           </a:p>
         </p:txBody>
       </p:sp>
@@ -6622,7 +6535,7 @@
         </p:nvSpPr>
         <p:spPr>
           <a:xfrm>
-            <a:off x="1880100" y="800750"/>
+            <a:off x="1880100" y="905450"/>
             <a:ext cx="5383800" cy="469500"/>
           </a:xfrm>
           <a:prstGeom prst="rect">
@@ -6661,6 +6574,62 @@
           </a:p>
         </p:txBody>
       </p:sp>
+      <p:pic>
+        <p:nvPicPr>
+          <p:cNvPr id="57" name="Google Shape;57;p13"/>
+          <p:cNvPicPr preferRelativeResize="0"/>
+          <p:nvPr/>
+        </p:nvPicPr>
+        <p:blipFill>
+          <a:blip r:embed="rId5">
+            <a:alphaModFix/>
+          </a:blip>
+          <a:stretch>
+            <a:fillRect/>
+          </a:stretch>
+        </p:blipFill>
+        <p:spPr>
+          <a:xfrm>
+            <a:off x="3639200" y="64163"/>
+            <a:ext cx="800748" cy="800748"/>
+          </a:xfrm>
+          <a:prstGeom prst="rect">
+            <a:avLst/>
+          </a:prstGeom>
+          <a:noFill/>
+          <a:ln>
+            <a:noFill/>
+          </a:ln>
+        </p:spPr>
+      </p:pic>
+      <p:pic>
+        <p:nvPicPr>
+          <p:cNvPr id="58" name="Google Shape;58;p13"/>
+          <p:cNvPicPr preferRelativeResize="0"/>
+          <p:nvPr/>
+        </p:nvPicPr>
+        <p:blipFill>
+          <a:blip r:embed="rId6">
+            <a:alphaModFix/>
+          </a:blip>
+          <a:stretch>
+            <a:fillRect/>
+          </a:stretch>
+        </p:blipFill>
+        <p:spPr>
+          <a:xfrm>
+            <a:off x="4663625" y="64175"/>
+            <a:ext cx="722226" cy="722226"/>
+          </a:xfrm>
+          <a:prstGeom prst="rect">
+            <a:avLst/>
+          </a:prstGeom>
+          <a:noFill/>
+          <a:ln>
+            <a:noFill/>
+          </a:ln>
+        </p:spPr>
+      </p:pic>
     </p:spTree>
   </p:cSld>
   <p:clrMapOvr>
@@ -6674,7 +6643,7 @@
   <p:cSld>
     <p:spTree>
       <p:nvGrpSpPr>
-        <p:cNvPr id="115" name="Shape 115"/>
+        <p:cNvPr id="114" name="Shape 114"/>
         <p:cNvGrpSpPr/>
         <p:nvPr/>
       </p:nvGrpSpPr>
@@ -6688,7 +6657,7 @@
       </p:grpSpPr>
       <p:sp>
         <p:nvSpPr>
-          <p:cNvPr id="116" name="Google Shape;116;p22"/>
+          <p:cNvPr id="115" name="Google Shape;115;p22"/>
           <p:cNvSpPr txBox="1"/>
           <p:nvPr>
             <p:ph type="title"/>
@@ -6720,186 +6689,6 @@
             </a:pPr>
             <a:r>
               <a:rPr lang="pt-BR"/>
-              <a:t>Results and conclusions</a:t>
-            </a:r>
-            <a:endParaRPr/>
-          </a:p>
-        </p:txBody>
-      </p:sp>
-      <p:sp>
-        <p:nvSpPr>
-          <p:cNvPr id="117" name="Google Shape;117;p22"/>
-          <p:cNvSpPr txBox="1"/>
-          <p:nvPr>
-            <p:ph idx="1" type="body"/>
-          </p:nvPr>
-        </p:nvSpPr>
-        <p:spPr>
-          <a:xfrm>
-            <a:off x="311700" y="1152475"/>
-            <a:ext cx="8520600" cy="3416400"/>
-          </a:xfrm>
-          <a:prstGeom prst="rect">
-            <a:avLst/>
-          </a:prstGeom>
-        </p:spPr>
-        <p:txBody>
-          <a:bodyPr anchorCtr="0" anchor="t" bIns="91425" lIns="91425" spcFirstLastPara="1" rIns="91425" wrap="square" tIns="91425">
-            <a:normAutofit/>
-          </a:bodyPr>
-          <a:lstStyle/>
-          <a:p>
-            <a:pPr indent="-342900" lvl="0" marL="457200" rtl="0" algn="l">
-              <a:spcBef>
-                <a:spcPts val="0"/>
-              </a:spcBef>
-              <a:spcAft>
-                <a:spcPts val="0"/>
-              </a:spcAft>
-              <a:buSzPts val="1800"/>
-              <a:buChar char="●"/>
-            </a:pPr>
-            <a:r>
-              <a:rPr lang="pt-BR"/>
-              <a:t>NN with VAE is promising</a:t>
-            </a:r>
-            <a:endParaRPr/>
-          </a:p>
-          <a:p>
-            <a:pPr indent="-342900" lvl="0" marL="457200" rtl="0" algn="l">
-              <a:spcBef>
-                <a:spcPts val="0"/>
-              </a:spcBef>
-              <a:spcAft>
-                <a:spcPts val="0"/>
-              </a:spcAft>
-              <a:buSzPts val="1800"/>
-              <a:buChar char="●"/>
-            </a:pPr>
-            <a:r>
-              <a:rPr lang="pt-BR"/>
-              <a:t>Learning new NN model</a:t>
-            </a:r>
-            <a:endParaRPr/>
-          </a:p>
-          <a:p>
-            <a:pPr indent="-330200" lvl="1" marL="914400" rtl="0" algn="l">
-              <a:lnSpc>
-                <a:spcPct val="100000"/>
-              </a:lnSpc>
-              <a:spcBef>
-                <a:spcPts val="0"/>
-              </a:spcBef>
-              <a:spcAft>
-                <a:spcPts val="0"/>
-              </a:spcAft>
-              <a:buSzPts val="1600"/>
-              <a:buChar char="○"/>
-            </a:pPr>
-            <a:r>
-              <a:rPr lang="pt-BR" sz="1600"/>
-              <a:t>Variatonal Autoenconder (VAE)</a:t>
-            </a:r>
-            <a:endParaRPr sz="1600"/>
-          </a:p>
-          <a:p>
-            <a:pPr indent="-330200" lvl="1" marL="914400" rtl="0" algn="l">
-              <a:lnSpc>
-                <a:spcPct val="100000"/>
-              </a:lnSpc>
-              <a:spcBef>
-                <a:spcPts val="0"/>
-              </a:spcBef>
-              <a:spcAft>
-                <a:spcPts val="0"/>
-              </a:spcAft>
-              <a:buSzPts val="1600"/>
-              <a:buChar char="○"/>
-            </a:pPr>
-            <a:r>
-              <a:rPr lang="pt-BR" sz="1600"/>
-              <a:t>Hyperparameters adjusting</a:t>
-            </a:r>
-            <a:endParaRPr/>
-          </a:p>
-          <a:p>
-            <a:pPr indent="-342900" lvl="0" marL="457200" rtl="0" algn="l">
-              <a:spcBef>
-                <a:spcPts val="0"/>
-              </a:spcBef>
-              <a:spcAft>
-                <a:spcPts val="0"/>
-              </a:spcAft>
-              <a:buSzPts val="1800"/>
-              <a:buChar char="●"/>
-            </a:pPr>
-            <a:r>
-              <a:rPr lang="pt-BR"/>
-              <a:t>Limited dataset</a:t>
-            </a:r>
-            <a:endParaRPr/>
-          </a:p>
-        </p:txBody>
-      </p:sp>
-    </p:spTree>
-  </p:cSld>
-  <p:clrMapOvr>
-    <a:masterClrMapping/>
-  </p:clrMapOvr>
-</p:sld>
-</file>
-
-<file path=ppt/slides/slide11.xml><?xml version="1.0" encoding="utf-8"?>
-<p:sld xmlns:a="http://schemas.openxmlformats.org/drawingml/2006/main" xmlns:r="http://schemas.openxmlformats.org/officeDocument/2006/relationships" xmlns:mc="http://schemas.openxmlformats.org/markup-compatibility/2006" xmlns:mv="urn:schemas-microsoft-com:mac:vml" xmlns:p="http://schemas.openxmlformats.org/presentationml/2006/main" xmlns:c="http://schemas.openxmlformats.org/drawingml/2006/chart" xmlns:dgm="http://schemas.openxmlformats.org/drawingml/2006/diagram" xmlns:o="urn:schemas-microsoft-com:office:office" xmlns:v="urn:schemas-microsoft-com:vml" xmlns:pvml="urn:schemas-microsoft-com:office:powerpoint" xmlns:com="http://schemas.openxmlformats.org/drawingml/2006/compatibility" xmlns:p14="http://schemas.microsoft.com/office/powerpoint/2010/main" xmlns:p15="http://schemas.microsoft.com/office/powerpoint/2012/main" xmlns:ahyp="http://schemas.microsoft.com/office/drawing/2018/hyperlinkcolor">
-  <p:cSld>
-    <p:spTree>
-      <p:nvGrpSpPr>
-        <p:cNvPr id="121" name="Shape 121"/>
-        <p:cNvGrpSpPr/>
-        <p:nvPr/>
-      </p:nvGrpSpPr>
-      <p:grpSpPr>
-        <a:xfrm>
-          <a:off x="0" y="0"/>
-          <a:ext cx="0" cy="0"/>
-          <a:chOff x="0" y="0"/>
-          <a:chExt cx="0" cy="0"/>
-        </a:xfrm>
-      </p:grpSpPr>
-      <p:sp>
-        <p:nvSpPr>
-          <p:cNvPr id="122" name="Google Shape;122;p23"/>
-          <p:cNvSpPr txBox="1"/>
-          <p:nvPr>
-            <p:ph type="title"/>
-          </p:nvPr>
-        </p:nvSpPr>
-        <p:spPr>
-          <a:xfrm>
-            <a:off x="311700" y="445025"/>
-            <a:ext cx="8520600" cy="572700"/>
-          </a:xfrm>
-          <a:prstGeom prst="rect">
-            <a:avLst/>
-          </a:prstGeom>
-        </p:spPr>
-        <p:txBody>
-          <a:bodyPr anchorCtr="0" anchor="t" bIns="91425" lIns="91425" spcFirstLastPara="1" rIns="91425" wrap="square" tIns="91425">
-            <a:normAutofit fontScale="90000"/>
-          </a:bodyPr>
-          <a:lstStyle/>
-          <a:p>
-            <a:pPr indent="0" lvl="0" marL="0" rtl="0" algn="l">
-              <a:spcBef>
-                <a:spcPts val="0"/>
-              </a:spcBef>
-              <a:spcAft>
-                <a:spcPts val="0"/>
-              </a:spcAft>
-              <a:buNone/>
-            </a:pPr>
-            <a:r>
-              <a:rPr lang="pt-BR"/>
               <a:t>References</a:t>
             </a:r>
             <a:endParaRPr/>
@@ -6908,7 +6697,7 @@
       </p:sp>
       <p:sp>
         <p:nvSpPr>
-          <p:cNvPr id="123" name="Google Shape;123;p23"/>
+          <p:cNvPr id="116" name="Google Shape;116;p22"/>
           <p:cNvSpPr txBox="1"/>
           <p:nvPr>
             <p:ph idx="1" type="body"/>
@@ -6984,6 +6773,52 @@
               </a:highlight>
             </a:endParaRPr>
           </a:p>
+          <a:p>
+            <a:pPr indent="-342900" lvl="0" marL="457200" rtl="0" algn="just">
+              <a:spcBef>
+                <a:spcPts val="0"/>
+              </a:spcBef>
+              <a:spcAft>
+                <a:spcPts val="0"/>
+              </a:spcAft>
+              <a:buClr>
+                <a:schemeClr val="dk1"/>
+              </a:buClr>
+              <a:buSzPts val="1800"/>
+              <a:buChar char="●"/>
+            </a:pPr>
+            <a:r>
+              <a:rPr lang="pt-BR">
+                <a:solidFill>
+                  <a:schemeClr val="dk1"/>
+                </a:solidFill>
+                <a:highlight>
+                  <a:schemeClr val="lt1"/>
+                </a:highlight>
+              </a:rPr>
+              <a:t>Github: </a:t>
+            </a:r>
+            <a:r>
+              <a:rPr lang="pt-BR" u="sng">
+                <a:solidFill>
+                  <a:schemeClr val="hlink"/>
+                </a:solidFill>
+                <a:highlight>
+                  <a:schemeClr val="lt1"/>
+                </a:highlight>
+                <a:hlinkClick r:id="rId3"/>
+              </a:rPr>
+              <a:t>https://github.com/NaldoHoracio/CornealAIPaper</a:t>
+            </a:r>
+            <a:endParaRPr>
+              <a:solidFill>
+                <a:schemeClr val="dk1"/>
+              </a:solidFill>
+              <a:highlight>
+                <a:schemeClr val="lt1"/>
+              </a:highlight>
+            </a:endParaRPr>
+          </a:p>
         </p:txBody>
       </p:sp>
     </p:spTree>
@@ -6999,7 +6834,7 @@
   <p:cSld>
     <p:spTree>
       <p:nvGrpSpPr>
-        <p:cNvPr id="60" name="Shape 60"/>
+        <p:cNvPr id="62" name="Shape 62"/>
         <p:cNvGrpSpPr/>
         <p:nvPr/>
       </p:nvGrpSpPr>
@@ -7013,7 +6848,7 @@
       </p:grpSpPr>
       <p:sp>
         <p:nvSpPr>
-          <p:cNvPr id="61" name="Google Shape;61;p14"/>
+          <p:cNvPr id="63" name="Google Shape;63;p14"/>
           <p:cNvSpPr txBox="1"/>
           <p:nvPr>
             <p:ph type="title"/>
@@ -7053,7 +6888,7 @@
       </p:sp>
       <p:sp>
         <p:nvSpPr>
-          <p:cNvPr id="62" name="Google Shape;62;p14"/>
+          <p:cNvPr id="64" name="Google Shape;64;p14"/>
           <p:cNvSpPr txBox="1"/>
           <p:nvPr>
             <p:ph idx="1" type="body"/>
@@ -7173,7 +7008,7 @@
   <p:cSld>
     <p:spTree>
       <p:nvGrpSpPr>
-        <p:cNvPr id="66" name="Shape 66"/>
+        <p:cNvPr id="68" name="Shape 68"/>
         <p:cNvGrpSpPr/>
         <p:nvPr/>
       </p:nvGrpSpPr>
@@ -7187,7 +7022,7 @@
       </p:grpSpPr>
       <p:sp>
         <p:nvSpPr>
-          <p:cNvPr id="67" name="Google Shape;67;p15"/>
+          <p:cNvPr id="69" name="Google Shape;69;p15"/>
           <p:cNvSpPr txBox="1"/>
           <p:nvPr>
             <p:ph type="title"/>
@@ -7227,7 +7062,7 @@
       </p:sp>
       <p:sp>
         <p:nvSpPr>
-          <p:cNvPr id="68" name="Google Shape;68;p15"/>
+          <p:cNvPr id="70" name="Google Shape;70;p15"/>
           <p:cNvSpPr txBox="1"/>
           <p:nvPr>
             <p:ph idx="1" type="body"/>
@@ -7317,7 +7152,7 @@
   <p:cSld>
     <p:spTree>
       <p:nvGrpSpPr>
-        <p:cNvPr id="72" name="Shape 72"/>
+        <p:cNvPr id="74" name="Shape 74"/>
         <p:cNvGrpSpPr/>
         <p:nvPr/>
       </p:nvGrpSpPr>
@@ -7331,7 +7166,7 @@
       </p:grpSpPr>
       <p:sp>
         <p:nvSpPr>
-          <p:cNvPr id="73" name="Google Shape;73;p16"/>
+          <p:cNvPr id="75" name="Google Shape;75;p16"/>
           <p:cNvSpPr txBox="1"/>
           <p:nvPr>
             <p:ph type="title"/>
@@ -7339,7 +7174,7 @@
         </p:nvSpPr>
         <p:spPr>
           <a:xfrm>
-            <a:off x="311700" y="340875"/>
+            <a:off x="311700" y="223075"/>
             <a:ext cx="8520600" cy="572700"/>
           </a:xfrm>
           <a:prstGeom prst="rect">
@@ -7371,7 +7206,7 @@
       </p:sp>
       <p:sp>
         <p:nvSpPr>
-          <p:cNvPr id="74" name="Google Shape;74;p16"/>
+          <p:cNvPr id="76" name="Google Shape;76;p16"/>
           <p:cNvSpPr txBox="1"/>
           <p:nvPr>
             <p:ph idx="1" type="body"/>
@@ -7379,8 +7214,8 @@
         </p:nvSpPr>
         <p:spPr>
           <a:xfrm>
-            <a:off x="311700" y="991700"/>
-            <a:ext cx="8520600" cy="3577200"/>
+            <a:off x="311700" y="795775"/>
+            <a:ext cx="8520600" cy="3773100"/>
           </a:xfrm>
           <a:prstGeom prst="rect">
             <a:avLst/>
@@ -7392,61 +7227,78 @@
           </a:bodyPr>
           <a:lstStyle/>
           <a:p>
-            <a:pPr indent="-342900" lvl="0" marL="457200" rtl="0" algn="l">
-              <a:spcBef>
-                <a:spcPts val="0"/>
-              </a:spcBef>
-              <a:spcAft>
-                <a:spcPts val="0"/>
-              </a:spcAft>
-              <a:buSzPts val="1800"/>
+            <a:pPr indent="-330200" lvl="0" marL="457200" rtl="0" algn="l">
+              <a:spcBef>
+                <a:spcPts val="0"/>
+              </a:spcBef>
+              <a:spcAft>
+                <a:spcPts val="0"/>
+              </a:spcAft>
+              <a:buSzPts val="1600"/>
               <a:buChar char="●"/>
             </a:pPr>
             <a:r>
-              <a:rPr lang="pt-BR"/>
+              <a:rPr lang="pt-BR" sz="1600"/>
               <a:t>Variational autoencoder (VAE) is a Bayesian deep neural network</a:t>
             </a:r>
-            <a:endParaRPr/>
+            <a:endParaRPr sz="1600"/>
           </a:p>
           <a:p>
-            <a:pPr indent="-317500" lvl="1" marL="914400" rtl="0" algn="l">
-              <a:spcBef>
-                <a:spcPts val="0"/>
-              </a:spcBef>
-              <a:spcAft>
-                <a:spcPts val="0"/>
-              </a:spcAft>
-              <a:buSzPts val="1400"/>
+            <a:pPr indent="-330200" lvl="1" marL="914400" rtl="0" algn="l">
+              <a:spcBef>
+                <a:spcPts val="0"/>
+              </a:spcBef>
+              <a:spcAft>
+                <a:spcPts val="0"/>
+              </a:spcAft>
+              <a:buSzPts val="1600"/>
               <a:buChar char="○"/>
             </a:pPr>
             <a:r>
-              <a:rPr lang="pt-BR" sz="1800"/>
+              <a:rPr lang="pt-BR" sz="1600"/>
               <a:t>Bayesian inference in VAE</a:t>
             </a:r>
-            <a:endParaRPr/>
+            <a:endParaRPr sz="1600"/>
           </a:p>
           <a:p>
-            <a:pPr indent="-342900" lvl="0" marL="457200" rtl="0" algn="l">
-              <a:spcBef>
-                <a:spcPts val="0"/>
-              </a:spcBef>
-              <a:spcAft>
-                <a:spcPts val="0"/>
-              </a:spcAft>
-              <a:buSzPts val="1800"/>
+            <a:pPr indent="-330200" lvl="0" marL="457200" rtl="0" algn="l">
+              <a:spcBef>
+                <a:spcPts val="0"/>
+              </a:spcBef>
+              <a:spcAft>
+                <a:spcPts val="0"/>
+              </a:spcAft>
+              <a:buSzPts val="1600"/>
               <a:buChar char="●"/>
             </a:pPr>
             <a:r>
-              <a:rPr lang="pt-BR"/>
+              <a:rPr lang="pt-BR" sz="1600"/>
               <a:t>Encoder and decoder as multilayer perceptron (MLP) models</a:t>
             </a:r>
-            <a:endParaRPr/>
+            <a:endParaRPr sz="1600"/>
+          </a:p>
+          <a:p>
+            <a:pPr indent="-330200" lvl="1" marL="914400" rtl="0" algn="l">
+              <a:spcBef>
+                <a:spcPts val="0"/>
+              </a:spcBef>
+              <a:spcAft>
+                <a:spcPts val="0"/>
+              </a:spcAft>
+              <a:buSzPts val="1600"/>
+              <a:buChar char="○"/>
+            </a:pPr>
+            <a:r>
+              <a:rPr lang="pt-BR" sz="1600"/>
+              <a:t>X: input | Y: output | Z: encoder</a:t>
+            </a:r>
+            <a:endParaRPr sz="1600"/>
           </a:p>
         </p:txBody>
       </p:sp>
       <p:pic>
         <p:nvPicPr>
-          <p:cNvPr id="75" name="Google Shape;75;p16"/>
+          <p:cNvPr id="77" name="Google Shape;77;p16"/>
           <p:cNvPicPr preferRelativeResize="0"/>
           <p:nvPr/>
         </p:nvPicPr>
@@ -7460,8 +7312,8 @@
         </p:blipFill>
         <p:spPr>
           <a:xfrm>
-            <a:off x="924600" y="2091300"/>
-            <a:ext cx="7294791" cy="2477600"/>
+            <a:off x="969061" y="2015525"/>
+            <a:ext cx="7205874" cy="2447400"/>
           </a:xfrm>
           <a:prstGeom prst="rect">
             <a:avLst/>
@@ -7474,7 +7326,7 @@
       </p:pic>
       <p:sp>
         <p:nvSpPr>
-          <p:cNvPr id="76" name="Google Shape;76;p16"/>
+          <p:cNvPr id="78" name="Google Shape;78;p16"/>
           <p:cNvSpPr txBox="1"/>
           <p:nvPr>
             <p:ph type="title"/>
@@ -7482,7 +7334,7 @@
         </p:nvSpPr>
         <p:spPr>
           <a:xfrm>
-            <a:off x="1307775" y="4568900"/>
+            <a:off x="1426950" y="4568875"/>
             <a:ext cx="6290100" cy="444300"/>
           </a:xfrm>
           <a:prstGeom prst="rect">
@@ -7525,7 +7377,7 @@
   <p:cSld>
     <p:spTree>
       <p:nvGrpSpPr>
-        <p:cNvPr id="80" name="Shape 80"/>
+        <p:cNvPr id="82" name="Shape 82"/>
         <p:cNvGrpSpPr/>
         <p:nvPr/>
       </p:nvGrpSpPr>
@@ -7539,7 +7391,7 @@
       </p:grpSpPr>
       <p:sp>
         <p:nvSpPr>
-          <p:cNvPr id="81" name="Google Shape;81;p17"/>
+          <p:cNvPr id="83" name="Google Shape;83;p17"/>
           <p:cNvSpPr txBox="1"/>
           <p:nvPr>
             <p:ph type="title"/>
@@ -7579,7 +7431,7 @@
       </p:sp>
       <p:pic>
         <p:nvPicPr>
-          <p:cNvPr id="82" name="Google Shape;82;p17"/>
+          <p:cNvPr id="84" name="Google Shape;84;p17"/>
           <p:cNvPicPr preferRelativeResize="0"/>
           <p:nvPr/>
         </p:nvPicPr>
@@ -7607,7 +7459,7 @@
       </p:pic>
       <p:sp>
         <p:nvSpPr>
-          <p:cNvPr id="83" name="Google Shape;83;p17"/>
+          <p:cNvPr id="85" name="Google Shape;85;p17"/>
           <p:cNvSpPr txBox="1"/>
           <p:nvPr>
             <p:ph type="title"/>
@@ -7658,7 +7510,7 @@
   <p:cSld>
     <p:spTree>
       <p:nvGrpSpPr>
-        <p:cNvPr id="87" name="Shape 87"/>
+        <p:cNvPr id="89" name="Shape 89"/>
         <p:cNvGrpSpPr/>
         <p:nvPr/>
       </p:nvGrpSpPr>
@@ -7672,7 +7524,7 @@
       </p:grpSpPr>
       <p:sp>
         <p:nvSpPr>
-          <p:cNvPr id="88" name="Google Shape;88;p18"/>
+          <p:cNvPr id="90" name="Google Shape;90;p18"/>
           <p:cNvSpPr txBox="1"/>
           <p:nvPr>
             <p:ph type="title"/>
@@ -7712,7 +7564,7 @@
       </p:sp>
       <p:sp>
         <p:nvSpPr>
-          <p:cNvPr id="89" name="Google Shape;89;p18"/>
+          <p:cNvPr id="91" name="Google Shape;91;p18"/>
           <p:cNvSpPr txBox="1"/>
           <p:nvPr>
             <p:ph idx="1" type="body"/>
@@ -7829,7 +7681,7 @@
       </p:sp>
       <p:sp>
         <p:nvSpPr>
-          <p:cNvPr id="90" name="Google Shape;90;p18"/>
+          <p:cNvPr id="92" name="Google Shape;92;p18"/>
           <p:cNvSpPr txBox="1"/>
           <p:nvPr>
             <p:ph idx="2" type="body"/>
@@ -7898,7 +7750,7 @@
   <p:cSld>
     <p:spTree>
       <p:nvGrpSpPr>
-        <p:cNvPr id="94" name="Shape 94"/>
+        <p:cNvPr id="96" name="Shape 96"/>
         <p:cNvGrpSpPr/>
         <p:nvPr/>
       </p:nvGrpSpPr>
@@ -7912,7 +7764,7 @@
       </p:grpSpPr>
       <p:sp>
         <p:nvSpPr>
-          <p:cNvPr id="95" name="Google Shape;95;p19"/>
+          <p:cNvPr id="97" name="Google Shape;97;p19"/>
           <p:cNvSpPr txBox="1"/>
           <p:nvPr>
             <p:ph type="title"/>
@@ -7944,7 +7796,7 @@
             </a:pPr>
             <a:r>
               <a:rPr lang="pt-BR" sz="2300"/>
-              <a:t>Expected results and conclusions</a:t>
+              <a:t>Expected results</a:t>
             </a:r>
             <a:endParaRPr sz="2300"/>
           </a:p>
@@ -7952,7 +7804,7 @@
       </p:sp>
       <p:sp>
         <p:nvSpPr>
-          <p:cNvPr id="96" name="Google Shape;96;p19"/>
+          <p:cNvPr id="98" name="Google Shape;98;p19"/>
           <p:cNvSpPr txBox="1"/>
           <p:nvPr>
             <p:ph idx="1" type="body"/>
@@ -8046,7 +7898,7 @@
   <p:cSld>
     <p:spTree>
       <p:nvGrpSpPr>
-        <p:cNvPr id="100" name="Shape 100"/>
+        <p:cNvPr id="102" name="Shape 102"/>
         <p:cNvGrpSpPr/>
         <p:nvPr/>
       </p:nvGrpSpPr>
@@ -8060,7 +7912,7 @@
       </p:grpSpPr>
       <p:sp>
         <p:nvSpPr>
-          <p:cNvPr id="101" name="Google Shape;101;p20"/>
+          <p:cNvPr id="103" name="Google Shape;103;p20"/>
           <p:cNvSpPr txBox="1"/>
           <p:nvPr>
             <p:ph type="title"/>
@@ -8100,7 +7952,7 @@
       </p:sp>
       <p:sp>
         <p:nvSpPr>
-          <p:cNvPr id="102" name="Google Shape;102;p20"/>
+          <p:cNvPr id="104" name="Google Shape;104;p20"/>
           <p:cNvSpPr txBox="1"/>
           <p:nvPr>
             <p:ph idx="1" type="body"/>
@@ -8237,7 +8089,7 @@
   <p:cSld>
     <p:spTree>
       <p:nvGrpSpPr>
-        <p:cNvPr id="106" name="Shape 106"/>
+        <p:cNvPr id="108" name="Shape 108"/>
         <p:cNvGrpSpPr/>
         <p:nvPr/>
       </p:nvGrpSpPr>
@@ -8251,7 +8103,7 @@
       </p:grpSpPr>
       <p:sp>
         <p:nvSpPr>
-          <p:cNvPr id="107" name="Google Shape;107;p21"/>
+          <p:cNvPr id="109" name="Google Shape;109;p21"/>
           <p:cNvSpPr txBox="1"/>
           <p:nvPr>
             <p:ph type="title"/>
@@ -8289,46 +8141,18 @@
           </a:p>
         </p:txBody>
       </p:sp>
-      <p:pic>
-        <p:nvPicPr>
-          <p:cNvPr id="108" name="Google Shape;108;p21"/>
-          <p:cNvPicPr preferRelativeResize="0"/>
-          <p:nvPr/>
-        </p:nvPicPr>
-        <p:blipFill>
-          <a:blip r:embed="rId3">
-            <a:alphaModFix/>
-          </a:blip>
-          <a:stretch>
-            <a:fillRect/>
-          </a:stretch>
-        </p:blipFill>
-        <p:spPr>
-          <a:xfrm>
-            <a:off x="311700" y="1143450"/>
-            <a:ext cx="4260301" cy="2839517"/>
-          </a:xfrm>
-          <a:prstGeom prst="rect">
-            <a:avLst/>
-          </a:prstGeom>
-          <a:noFill/>
-          <a:ln>
-            <a:noFill/>
-          </a:ln>
-        </p:spPr>
-      </p:pic>
       <p:sp>
         <p:nvSpPr>
-          <p:cNvPr id="109" name="Google Shape;109;p21"/>
+          <p:cNvPr id="110" name="Google Shape;110;p21"/>
           <p:cNvSpPr txBox="1"/>
           <p:nvPr>
-            <p:ph type="title"/>
+            <p:ph idx="1" type="body"/>
           </p:nvPr>
         </p:nvSpPr>
         <p:spPr>
           <a:xfrm>
-            <a:off x="311700" y="4108700"/>
-            <a:ext cx="4527600" cy="444300"/>
+            <a:off x="311700" y="1152475"/>
+            <a:ext cx="8520600" cy="3416400"/>
           </a:xfrm>
           <a:prstGeom prst="rect">
             <a:avLst/>
@@ -8336,95 +8160,119 @@
         </p:spPr>
         <p:txBody>
           <a:bodyPr anchorCtr="0" anchor="t" bIns="91425" lIns="91425" spcFirstLastPara="1" rIns="91425" wrap="square" tIns="91425">
-            <a:noAutofit/>
+            <a:normAutofit/>
           </a:bodyPr>
           <a:lstStyle/>
           <a:p>
-            <a:pPr indent="0" lvl="0" marL="0" rtl="0" algn="ctr">
-              <a:spcBef>
-                <a:spcPts val="0"/>
-              </a:spcBef>
-              <a:spcAft>
-                <a:spcPts val="0"/>
-              </a:spcAft>
-              <a:buNone/>
+            <a:pPr indent="-342900" lvl="0" marL="457200" rtl="0" algn="l">
+              <a:spcBef>
+                <a:spcPts val="0"/>
+              </a:spcBef>
+              <a:spcAft>
+                <a:spcPts val="0"/>
+              </a:spcAft>
+              <a:buSzPts val="1800"/>
+              <a:buChar char="●"/>
             </a:pPr>
             <a:r>
-              <a:rPr lang="pt-BR" sz="1400"/>
-              <a:t>Figure 3: Clustering in latent space 2D </a:t>
+              <a:rPr lang="pt-BR"/>
+              <a:t>NN with VAE is promising</a:t>
             </a:r>
-            <a:endParaRPr sz="1400"/>
+            <a:endParaRPr/>
+          </a:p>
+          <a:p>
+            <a:pPr indent="-342900" lvl="0" marL="457200" rtl="0" algn="l">
+              <a:spcBef>
+                <a:spcPts val="0"/>
+              </a:spcBef>
+              <a:spcAft>
+                <a:spcPts val="0"/>
+              </a:spcAft>
+              <a:buSzPts val="1800"/>
+              <a:buChar char="●"/>
+            </a:pPr>
+            <a:r>
+              <a:rPr lang="pt-BR"/>
+              <a:t>New NN model</a:t>
+            </a:r>
+            <a:endParaRPr/>
+          </a:p>
+          <a:p>
+            <a:pPr indent="-330200" lvl="1" marL="914400" rtl="0" algn="l">
+              <a:lnSpc>
+                <a:spcPct val="100000"/>
+              </a:lnSpc>
+              <a:spcBef>
+                <a:spcPts val="0"/>
+              </a:spcBef>
+              <a:spcAft>
+                <a:spcPts val="0"/>
+              </a:spcAft>
+              <a:buSzPts val="1600"/>
+              <a:buChar char="○"/>
+            </a:pPr>
+            <a:r>
+              <a:rPr lang="pt-BR" sz="1600"/>
+              <a:t>Variatonal Autoenconder (VAE)</a:t>
+            </a:r>
+            <a:endParaRPr sz="1600"/>
+          </a:p>
+          <a:p>
+            <a:pPr indent="-330200" lvl="1" marL="914400" rtl="0" algn="l">
+              <a:lnSpc>
+                <a:spcPct val="100000"/>
+              </a:lnSpc>
+              <a:spcBef>
+                <a:spcPts val="0"/>
+              </a:spcBef>
+              <a:spcAft>
+                <a:spcPts val="0"/>
+              </a:spcAft>
+              <a:buSzPts val="1600"/>
+              <a:buChar char="○"/>
+            </a:pPr>
+            <a:r>
+              <a:rPr lang="pt-BR" sz="1600"/>
+              <a:t>Hyperparameters adjusting</a:t>
+            </a:r>
+            <a:endParaRPr/>
+          </a:p>
+          <a:p>
+            <a:pPr indent="-342900" lvl="0" marL="457200" rtl="0" algn="l">
+              <a:spcBef>
+                <a:spcPts val="0"/>
+              </a:spcBef>
+              <a:spcAft>
+                <a:spcPts val="0"/>
+              </a:spcAft>
+              <a:buSzPts val="1800"/>
+              <a:buChar char="●"/>
+            </a:pPr>
+            <a:r>
+              <a:rPr lang="pt-BR"/>
+              <a:t>Limited dataset</a:t>
+            </a:r>
+            <a:endParaRPr/>
+          </a:p>
+          <a:p>
+            <a:pPr indent="-342900" lvl="0" marL="457200" rtl="0" algn="l">
+              <a:spcBef>
+                <a:spcPts val="0"/>
+              </a:spcBef>
+              <a:spcAft>
+                <a:spcPts val="0"/>
+              </a:spcAft>
+              <a:buSzPts val="1800"/>
+              <a:buChar char="●"/>
+            </a:pPr>
+            <a:r>
+              <a:rPr lang="pt-BR"/>
+              <a:t>Grid search and random search</a:t>
+            </a:r>
+            <a:endParaRPr/>
           </a:p>
         </p:txBody>
       </p:sp>
-      <p:sp>
-        <p:nvSpPr>
-          <p:cNvPr id="110" name="Google Shape;110;p21"/>
-          <p:cNvSpPr txBox="1"/>
-          <p:nvPr>
-            <p:ph type="title"/>
-          </p:nvPr>
-        </p:nvSpPr>
-        <p:spPr>
-          <a:xfrm>
-            <a:off x="4572000" y="4108700"/>
-            <a:ext cx="4527600" cy="444300"/>
-          </a:xfrm>
-          <a:prstGeom prst="rect">
-            <a:avLst/>
-          </a:prstGeom>
-        </p:spPr>
-        <p:txBody>
-          <a:bodyPr anchorCtr="0" anchor="t" bIns="91425" lIns="91425" spcFirstLastPara="1" rIns="91425" wrap="square" tIns="91425">
-            <a:noAutofit/>
-          </a:bodyPr>
-          <a:lstStyle/>
-          <a:p>
-            <a:pPr indent="0" lvl="0" marL="0" rtl="0" algn="ctr">
-              <a:spcBef>
-                <a:spcPts val="0"/>
-              </a:spcBef>
-              <a:spcAft>
-                <a:spcPts val="0"/>
-              </a:spcAft>
-              <a:buNone/>
-            </a:pPr>
-            <a:r>
-              <a:rPr lang="pt-BR" sz="1400"/>
-              <a:t>Figure 4: Classification in latent space 2D </a:t>
-            </a:r>
-            <a:endParaRPr sz="1400"/>
-          </a:p>
-        </p:txBody>
-      </p:sp>
-      <p:pic>
-        <p:nvPicPr>
-          <p:cNvPr id="111" name="Google Shape;111;p21"/>
-          <p:cNvPicPr preferRelativeResize="0"/>
-          <p:nvPr/>
-        </p:nvPicPr>
-        <p:blipFill>
-          <a:blip r:embed="rId4">
-            <a:alphaModFix/>
-          </a:blip>
-          <a:stretch>
-            <a:fillRect/>
-          </a:stretch>
-        </p:blipFill>
-        <p:spPr>
-          <a:xfrm>
-            <a:off x="4724401" y="1170125"/>
-            <a:ext cx="4180285" cy="2786177"/>
-          </a:xfrm>
-          <a:prstGeom prst="rect">
-            <a:avLst/>
-          </a:prstGeom>
-          <a:noFill/>
-          <a:ln>
-            <a:noFill/>
-          </a:ln>
-        </p:spPr>
-      </p:pic>
     </p:spTree>
   </p:cSld>
   <p:clrMapOvr>

--- a/meetings/CorneaAIPaper.pptx
+++ b/meetings/CorneaAIPaper.pptx
@@ -6819,6 +6819,52 @@
               </a:highlight>
             </a:endParaRPr>
           </a:p>
+          <a:p>
+            <a:pPr indent="-342900" lvl="0" marL="457200" rtl="0" algn="just">
+              <a:spcBef>
+                <a:spcPts val="0"/>
+              </a:spcBef>
+              <a:spcAft>
+                <a:spcPts val="0"/>
+              </a:spcAft>
+              <a:buClr>
+                <a:schemeClr val="dk1"/>
+              </a:buClr>
+              <a:buSzPts val="1800"/>
+              <a:buChar char="●"/>
+            </a:pPr>
+            <a:r>
+              <a:rPr lang="pt-BR">
+                <a:solidFill>
+                  <a:schemeClr val="dk1"/>
+                </a:solidFill>
+                <a:highlight>
+                  <a:schemeClr val="lt1"/>
+                </a:highlight>
+              </a:rPr>
+              <a:t>Vídeo: </a:t>
+            </a:r>
+            <a:r>
+              <a:rPr lang="pt-BR" u="sng">
+                <a:solidFill>
+                  <a:schemeClr val="hlink"/>
+                </a:solidFill>
+                <a:highlight>
+                  <a:schemeClr val="lt1"/>
+                </a:highlight>
+                <a:hlinkClick r:id="rId4"/>
+              </a:rPr>
+              <a:t>https://drive.google.com/file/d/14WC4y0NPKI9yeFoLz78NeY6bR_AthLVM/view</a:t>
+            </a:r>
+            <a:endParaRPr>
+              <a:solidFill>
+                <a:schemeClr val="dk1"/>
+              </a:solidFill>
+              <a:highlight>
+                <a:schemeClr val="lt1"/>
+              </a:highlight>
+            </a:endParaRPr>
+          </a:p>
         </p:txBody>
       </p:sp>
     </p:spTree>
@@ -8282,6 +8328,285 @@
 </file>
 
 <file path=ppt/theme/theme1.xml><?xml version="1.0" encoding="utf-8"?>
+<a:theme xmlns:a="http://schemas.openxmlformats.org/drawingml/2006/main" xmlns:r="http://schemas.openxmlformats.org/officeDocument/2006/relationships" name="Simple Dark">
+  <a:themeElements>
+    <a:clrScheme name="Simple Dark">
+      <a:dk1>
+        <a:srgbClr val="FFFFFF"/>
+      </a:dk1>
+      <a:lt1>
+        <a:srgbClr val="212121"/>
+      </a:lt1>
+      <a:dk2>
+        <a:srgbClr val="303030"/>
+      </a:dk2>
+      <a:lt2>
+        <a:srgbClr val="ADADAD"/>
+      </a:lt2>
+      <a:accent1>
+        <a:srgbClr val="009688"/>
+      </a:accent1>
+      <a:accent2>
+        <a:srgbClr val="EEEEEE"/>
+      </a:accent2>
+      <a:accent3>
+        <a:srgbClr val="78909C"/>
+      </a:accent3>
+      <a:accent4>
+        <a:srgbClr val="FFAB40"/>
+      </a:accent4>
+      <a:accent5>
+        <a:srgbClr val="4DD0E1"/>
+      </a:accent5>
+      <a:accent6>
+        <a:srgbClr val="EEFF41"/>
+      </a:accent6>
+      <a:hlink>
+        <a:srgbClr val="4DD0E1"/>
+      </a:hlink>
+      <a:folHlink>
+        <a:srgbClr val="4DD0E1"/>
+      </a:folHlink>
+    </a:clrScheme>
+    <a:fontScheme name="Office">
+      <a:majorFont>
+        <a:latin typeface="Arial"/>
+        <a:ea typeface=""/>
+        <a:cs typeface=""/>
+        <a:font script="Jpan" typeface="ＭＳ Ｐゴシック"/>
+        <a:font script="Hang" typeface="맑은 고딕"/>
+        <a:font script="Hans" typeface="宋体"/>
+        <a:font script="Hant" typeface="新細明體"/>
+        <a:font script="Arab" typeface="Times New Roman"/>
+        <a:font script="Hebr" typeface="Times New Roman"/>
+        <a:font script="Thai" typeface="Angsana New"/>
+        <a:font script="Ethi" typeface="Nyala"/>
+        <a:font script="Beng" typeface="Vrinda"/>
+        <a:font script="Gujr" typeface="Shruti"/>
+        <a:font script="Khmr" typeface="MoolBoran"/>
+        <a:font script="Knda" typeface="Tunga"/>
+        <a:font script="Guru" typeface="Raavi"/>
+        <a:font script="Cans" typeface="Euphemia"/>
+        <a:font script="Cher" typeface="Plantagenet Cherokee"/>
+        <a:font script="Yiii" typeface="Microsoft Yi Baiti"/>
+        <a:font script="Tibt" typeface="Microsoft Himalaya"/>
+        <a:font script="Thaa" typeface="MV Boli"/>
+        <a:font script="Deva" typeface="Mangal"/>
+        <a:font script="Telu" typeface="Gautami"/>
+        <a:font script="Taml" typeface="Latha"/>
+        <a:font script="Syrc" typeface="Estrangelo Edessa"/>
+        <a:font script="Orya" typeface="Kalinga"/>
+        <a:font script="Mlym" typeface="Kartika"/>
+        <a:font script="Laoo" typeface="DokChampa"/>
+        <a:font script="Sinh" typeface="Iskoola Pota"/>
+        <a:font script="Mong" typeface="Mongolian Baiti"/>
+        <a:font script="Viet" typeface="Times New Roman"/>
+        <a:font script="Uigh" typeface="Microsoft Uighur"/>
+        <a:font script="Geor" typeface="Sylfaen"/>
+      </a:majorFont>
+      <a:minorFont>
+        <a:latin typeface="Arial"/>
+        <a:ea typeface=""/>
+        <a:cs typeface=""/>
+        <a:font script="Jpan" typeface="ＭＳ Ｐゴシック"/>
+        <a:font script="Hang" typeface="맑은 고딕"/>
+        <a:font script="Hans" typeface="宋体"/>
+        <a:font script="Hant" typeface="新細明體"/>
+        <a:font script="Arab" typeface="Arial"/>
+        <a:font script="Hebr" typeface="Arial"/>
+        <a:font script="Thai" typeface="Cordia New"/>
+        <a:font script="Ethi" typeface="Nyala"/>
+        <a:font script="Beng" typeface="Vrinda"/>
+        <a:font script="Gujr" typeface="Shruti"/>
+        <a:font script="Khmr" typeface="DaunPenh"/>
+        <a:font script="Knda" typeface="Tunga"/>
+        <a:font script="Guru" typeface="Raavi"/>
+        <a:font script="Cans" typeface="Euphemia"/>
+        <a:font script="Cher" typeface="Plantagenet Cherokee"/>
+        <a:font script="Yiii" typeface="Microsoft Yi Baiti"/>
+        <a:font script="Tibt" typeface="Microsoft Himalaya"/>
+        <a:font script="Thaa" typeface="MV Boli"/>
+        <a:font script="Deva" typeface="Mangal"/>
+        <a:font script="Telu" typeface="Gautami"/>
+        <a:font script="Taml" typeface="Latha"/>
+        <a:font script="Syrc" typeface="Estrangelo Edessa"/>
+        <a:font script="Orya" typeface="Kalinga"/>
+        <a:font script="Mlym" typeface="Kartika"/>
+        <a:font script="Laoo" typeface="DokChampa"/>
+        <a:font script="Sinh" typeface="Iskoola Pota"/>
+        <a:font script="Mong" typeface="Mongolian Baiti"/>
+        <a:font script="Viet" typeface="Arial"/>
+        <a:font script="Uigh" typeface="Microsoft Uighur"/>
+        <a:font script="Geor" typeface="Sylfaen"/>
+      </a:minorFont>
+    </a:fontScheme>
+    <a:fmtScheme name="Office">
+      <a:fillStyleLst>
+        <a:solidFill>
+          <a:schemeClr val="phClr"/>
+        </a:solidFill>
+        <a:gradFill rotWithShape="1">
+          <a:gsLst>
+            <a:gs pos="0">
+              <a:schemeClr val="phClr">
+                <a:tint val="50000"/>
+                <a:satMod val="300000"/>
+              </a:schemeClr>
+            </a:gs>
+            <a:gs pos="35000">
+              <a:schemeClr val="phClr">
+                <a:tint val="37000"/>
+                <a:satMod val="300000"/>
+              </a:schemeClr>
+            </a:gs>
+            <a:gs pos="100000">
+              <a:schemeClr val="phClr">
+                <a:tint val="15000"/>
+                <a:satMod val="350000"/>
+              </a:schemeClr>
+            </a:gs>
+          </a:gsLst>
+          <a:lin ang="16200000" scaled="1"/>
+        </a:gradFill>
+        <a:gradFill rotWithShape="1">
+          <a:gsLst>
+            <a:gs pos="0">
+              <a:schemeClr val="phClr">
+                <a:tint val="100000"/>
+                <a:shade val="100000"/>
+                <a:satMod val="130000"/>
+              </a:schemeClr>
+            </a:gs>
+            <a:gs pos="100000">
+              <a:schemeClr val="phClr">
+                <a:tint val="50000"/>
+                <a:shade val="100000"/>
+                <a:satMod val="350000"/>
+              </a:schemeClr>
+            </a:gs>
+          </a:gsLst>
+          <a:lin ang="16200000" scaled="0"/>
+        </a:gradFill>
+      </a:fillStyleLst>
+      <a:lnStyleLst>
+        <a:ln w="9525" cap="flat" cmpd="sng" algn="ctr">
+          <a:solidFill>
+            <a:schemeClr val="phClr">
+              <a:shade val="95000"/>
+              <a:satMod val="105000"/>
+            </a:schemeClr>
+          </a:solidFill>
+          <a:prstDash val="solid"/>
+        </a:ln>
+        <a:ln w="25400" cap="flat" cmpd="sng" algn="ctr">
+          <a:solidFill>
+            <a:schemeClr val="phClr"/>
+          </a:solidFill>
+          <a:prstDash val="solid"/>
+        </a:ln>
+        <a:ln w="38100" cap="flat" cmpd="sng" algn="ctr">
+          <a:solidFill>
+            <a:schemeClr val="phClr"/>
+          </a:solidFill>
+          <a:prstDash val="solid"/>
+        </a:ln>
+      </a:lnStyleLst>
+      <a:effectStyleLst>
+        <a:effectStyle>
+          <a:effectLst>
+            <a:outerShdw blurRad="40000" dist="20000" dir="5400000" rotWithShape="0">
+              <a:srgbClr val="000000">
+                <a:alpha val="38000"/>
+              </a:srgbClr>
+            </a:outerShdw>
+          </a:effectLst>
+        </a:effectStyle>
+        <a:effectStyle>
+          <a:effectLst>
+            <a:outerShdw blurRad="40000" dist="23000" dir="5400000" rotWithShape="0">
+              <a:srgbClr val="000000">
+                <a:alpha val="35000"/>
+              </a:srgbClr>
+            </a:outerShdw>
+          </a:effectLst>
+        </a:effectStyle>
+        <a:effectStyle>
+          <a:effectLst>
+            <a:outerShdw blurRad="40000" dist="23000" dir="5400000" rotWithShape="0">
+              <a:srgbClr val="000000">
+                <a:alpha val="35000"/>
+              </a:srgbClr>
+            </a:outerShdw>
+          </a:effectLst>
+          <a:scene3d>
+            <a:camera prst="orthographicFront">
+              <a:rot lat="0" lon="0" rev="0"/>
+            </a:camera>
+            <a:lightRig rig="threePt" dir="t">
+              <a:rot lat="0" lon="0" rev="1200000"/>
+            </a:lightRig>
+          </a:scene3d>
+          <a:sp3d>
+            <a:bevelT w="63500" h="25400"/>
+          </a:sp3d>
+        </a:effectStyle>
+      </a:effectStyleLst>
+      <a:bgFillStyleLst>
+        <a:solidFill>
+          <a:schemeClr val="phClr"/>
+        </a:solidFill>
+        <a:gradFill rotWithShape="1">
+          <a:gsLst>
+            <a:gs pos="0">
+              <a:schemeClr val="phClr">
+                <a:tint val="40000"/>
+                <a:satMod val="350000"/>
+              </a:schemeClr>
+            </a:gs>
+            <a:gs pos="40000">
+              <a:schemeClr val="phClr">
+                <a:tint val="45000"/>
+                <a:shade val="99000"/>
+                <a:satMod val="350000"/>
+              </a:schemeClr>
+            </a:gs>
+            <a:gs pos="100000">
+              <a:schemeClr val="phClr">
+                <a:shade val="20000"/>
+                <a:satMod val="255000"/>
+              </a:schemeClr>
+            </a:gs>
+          </a:gsLst>
+          <a:path path="circle">
+            <a:fillToRect l="50000" t="-80000" r="50000" b="180000"/>
+          </a:path>
+        </a:gradFill>
+        <a:gradFill rotWithShape="1">
+          <a:gsLst>
+            <a:gs pos="0">
+              <a:schemeClr val="phClr">
+                <a:tint val="80000"/>
+                <a:satMod val="300000"/>
+              </a:schemeClr>
+            </a:gs>
+            <a:gs pos="100000">
+              <a:schemeClr val="phClr">
+                <a:shade val="30000"/>
+                <a:satMod val="200000"/>
+              </a:schemeClr>
+            </a:gs>
+          </a:gsLst>
+          <a:path path="circle">
+            <a:fillToRect l="50000" t="50000" r="50000" b="50000"/>
+          </a:path>
+        </a:gradFill>
+      </a:bgFillStyleLst>
+    </a:fmtScheme>
+  </a:themeElements>
+</a:theme>
+</file>
+
+<file path=ppt/theme/theme2.xml><?xml version="1.0" encoding="utf-8"?>
 <a:theme xmlns:a="http://schemas.openxmlformats.org/drawingml/2006/main" xmlns:r="http://schemas.openxmlformats.org/officeDocument/2006/relationships">
   <a:themeElements>
     <a:clrScheme name="Default">
@@ -8558,283 +8883,4 @@
     </a:fmtScheme>
   </a:themeElements>
 </a:theme>
-</file>
-
-<file path=ppt/theme/theme2.xml><?xml version="1.0" encoding="utf-8"?>
-<a:theme xmlns:a="http://schemas.openxmlformats.org/drawingml/2006/main" xmlns:r="http://schemas.openxmlformats.org/officeDocument/2006/relationships" name="Simple Dark">
-  <a:themeElements>
-    <a:clrScheme name="Simple Dark">
-      <a:dk1>
-        <a:srgbClr val="FFFFFF"/>
-      </a:dk1>
-      <a:lt1>
-        <a:srgbClr val="212121"/>
-      </a:lt1>
-      <a:dk2>
-        <a:srgbClr val="303030"/>
-      </a:dk2>
-      <a:lt2>
-        <a:srgbClr val="ADADAD"/>
-      </a:lt2>
-      <a:accent1>
-        <a:srgbClr val="009688"/>
-      </a:accent1>
-      <a:accent2>
-        <a:srgbClr val="EEEEEE"/>
-      </a:accent2>
-      <a:accent3>
-        <a:srgbClr val="78909C"/>
-      </a:accent3>
-      <a:accent4>
-        <a:srgbClr val="FFAB40"/>
-      </a:accent4>
-      <a:accent5>
-        <a:srgbClr val="4DD0E1"/>
-      </a:accent5>
-      <a:accent6>
-        <a:srgbClr val="EEFF41"/>
-      </a:accent6>
-      <a:hlink>
-        <a:srgbClr val="4DD0E1"/>
-      </a:hlink>
-      <a:folHlink>
-        <a:srgbClr val="4DD0E1"/>
-      </a:folHlink>
-    </a:clrScheme>
-    <a:fontScheme name="Office">
-      <a:majorFont>
-        <a:latin typeface="Arial"/>
-        <a:ea typeface=""/>
-        <a:cs typeface=""/>
-        <a:font script="Jpan" typeface="ＭＳ Ｐゴシック"/>
-        <a:font script="Hang" typeface="맑은 고딕"/>
-        <a:font script="Hans" typeface="宋体"/>
-        <a:font script="Hant" typeface="新細明體"/>
-        <a:font script="Arab" typeface="Times New Roman"/>
-        <a:font script="Hebr" typeface="Times New Roman"/>
-        <a:font script="Thai" typeface="Angsana New"/>
-        <a:font script="Ethi" typeface="Nyala"/>
-        <a:font script="Beng" typeface="Vrinda"/>
-        <a:font script="Gujr" typeface="Shruti"/>
-        <a:font script="Khmr" typeface="MoolBoran"/>
-        <a:font script="Knda" typeface="Tunga"/>
-        <a:font script="Guru" typeface="Raavi"/>
-        <a:font script="Cans" typeface="Euphemia"/>
-        <a:font script="Cher" typeface="Plantagenet Cherokee"/>
-        <a:font script="Yiii" typeface="Microsoft Yi Baiti"/>
-        <a:font script="Tibt" typeface="Microsoft Himalaya"/>
-        <a:font script="Thaa" typeface="MV Boli"/>
-        <a:font script="Deva" typeface="Mangal"/>
-        <a:font script="Telu" typeface="Gautami"/>
-        <a:font script="Taml" typeface="Latha"/>
-        <a:font script="Syrc" typeface="Estrangelo Edessa"/>
-        <a:font script="Orya" typeface="Kalinga"/>
-        <a:font script="Mlym" typeface="Kartika"/>
-        <a:font script="Laoo" typeface="DokChampa"/>
-        <a:font script="Sinh" typeface="Iskoola Pota"/>
-        <a:font script="Mong" typeface="Mongolian Baiti"/>
-        <a:font script="Viet" typeface="Times New Roman"/>
-        <a:font script="Uigh" typeface="Microsoft Uighur"/>
-        <a:font script="Geor" typeface="Sylfaen"/>
-      </a:majorFont>
-      <a:minorFont>
-        <a:latin typeface="Arial"/>
-        <a:ea typeface=""/>
-        <a:cs typeface=""/>
-        <a:font script="Jpan" typeface="ＭＳ Ｐゴシック"/>
-        <a:font script="Hang" typeface="맑은 고딕"/>
-        <a:font script="Hans" typeface="宋体"/>
-        <a:font script="Hant" typeface="新細明體"/>
-        <a:font script="Arab" typeface="Arial"/>
-        <a:font script="Hebr" typeface="Arial"/>
-        <a:font script="Thai" typeface="Cordia New"/>
-        <a:font script="Ethi" typeface="Nyala"/>
-        <a:font script="Beng" typeface="Vrinda"/>
-        <a:font script="Gujr" typeface="Shruti"/>
-        <a:font script="Khmr" typeface="DaunPenh"/>
-        <a:font script="Knda" typeface="Tunga"/>
-        <a:font script="Guru" typeface="Raavi"/>
-        <a:font script="Cans" typeface="Euphemia"/>
-        <a:font script="Cher" typeface="Plantagenet Cherokee"/>
-        <a:font script="Yiii" typeface="Microsoft Yi Baiti"/>
-        <a:font script="Tibt" typeface="Microsoft Himalaya"/>
-        <a:font script="Thaa" typeface="MV Boli"/>
-        <a:font script="Deva" typeface="Mangal"/>
-        <a:font script="Telu" typeface="Gautami"/>
-        <a:font script="Taml" typeface="Latha"/>
-        <a:font script="Syrc" typeface="Estrangelo Edessa"/>
-        <a:font script="Orya" typeface="Kalinga"/>
-        <a:font script="Mlym" typeface="Kartika"/>
-        <a:font script="Laoo" typeface="DokChampa"/>
-        <a:font script="Sinh" typeface="Iskoola Pota"/>
-        <a:font script="Mong" typeface="Mongolian Baiti"/>
-        <a:font script="Viet" typeface="Arial"/>
-        <a:font script="Uigh" typeface="Microsoft Uighur"/>
-        <a:font script="Geor" typeface="Sylfaen"/>
-      </a:minorFont>
-    </a:fontScheme>
-    <a:fmtScheme name="Office">
-      <a:fillStyleLst>
-        <a:solidFill>
-          <a:schemeClr val="phClr"/>
-        </a:solidFill>
-        <a:gradFill rotWithShape="1">
-          <a:gsLst>
-            <a:gs pos="0">
-              <a:schemeClr val="phClr">
-                <a:tint val="50000"/>
-                <a:satMod val="300000"/>
-              </a:schemeClr>
-            </a:gs>
-            <a:gs pos="35000">
-              <a:schemeClr val="phClr">
-                <a:tint val="37000"/>
-                <a:satMod val="300000"/>
-              </a:schemeClr>
-            </a:gs>
-            <a:gs pos="100000">
-              <a:schemeClr val="phClr">
-                <a:tint val="15000"/>
-                <a:satMod val="350000"/>
-              </a:schemeClr>
-            </a:gs>
-          </a:gsLst>
-          <a:lin ang="16200000" scaled="1"/>
-        </a:gradFill>
-        <a:gradFill rotWithShape="1">
-          <a:gsLst>
-            <a:gs pos="0">
-              <a:schemeClr val="phClr">
-                <a:tint val="100000"/>
-                <a:shade val="100000"/>
-                <a:satMod val="130000"/>
-              </a:schemeClr>
-            </a:gs>
-            <a:gs pos="100000">
-              <a:schemeClr val="phClr">
-                <a:tint val="50000"/>
-                <a:shade val="100000"/>
-                <a:satMod val="350000"/>
-              </a:schemeClr>
-            </a:gs>
-          </a:gsLst>
-          <a:lin ang="16200000" scaled="0"/>
-        </a:gradFill>
-      </a:fillStyleLst>
-      <a:lnStyleLst>
-        <a:ln w="9525" cap="flat" cmpd="sng" algn="ctr">
-          <a:solidFill>
-            <a:schemeClr val="phClr">
-              <a:shade val="95000"/>
-              <a:satMod val="105000"/>
-            </a:schemeClr>
-          </a:solidFill>
-          <a:prstDash val="solid"/>
-        </a:ln>
-        <a:ln w="25400" cap="flat" cmpd="sng" algn="ctr">
-          <a:solidFill>
-            <a:schemeClr val="phClr"/>
-          </a:solidFill>
-          <a:prstDash val="solid"/>
-        </a:ln>
-        <a:ln w="38100" cap="flat" cmpd="sng" algn="ctr">
-          <a:solidFill>
-            <a:schemeClr val="phClr"/>
-          </a:solidFill>
-          <a:prstDash val="solid"/>
-        </a:ln>
-      </a:lnStyleLst>
-      <a:effectStyleLst>
-        <a:effectStyle>
-          <a:effectLst>
-            <a:outerShdw blurRad="40000" dist="20000" dir="5400000" rotWithShape="0">
-              <a:srgbClr val="000000">
-                <a:alpha val="38000"/>
-              </a:srgbClr>
-            </a:outerShdw>
-          </a:effectLst>
-        </a:effectStyle>
-        <a:effectStyle>
-          <a:effectLst>
-            <a:outerShdw blurRad="40000" dist="23000" dir="5400000" rotWithShape="0">
-              <a:srgbClr val="000000">
-                <a:alpha val="35000"/>
-              </a:srgbClr>
-            </a:outerShdw>
-          </a:effectLst>
-        </a:effectStyle>
-        <a:effectStyle>
-          <a:effectLst>
-            <a:outerShdw blurRad="40000" dist="23000" dir="5400000" rotWithShape="0">
-              <a:srgbClr val="000000">
-                <a:alpha val="35000"/>
-              </a:srgbClr>
-            </a:outerShdw>
-          </a:effectLst>
-          <a:scene3d>
-            <a:camera prst="orthographicFront">
-              <a:rot lat="0" lon="0" rev="0"/>
-            </a:camera>
-            <a:lightRig rig="threePt" dir="t">
-              <a:rot lat="0" lon="0" rev="1200000"/>
-            </a:lightRig>
-          </a:scene3d>
-          <a:sp3d>
-            <a:bevelT w="63500" h="25400"/>
-          </a:sp3d>
-        </a:effectStyle>
-      </a:effectStyleLst>
-      <a:bgFillStyleLst>
-        <a:solidFill>
-          <a:schemeClr val="phClr"/>
-        </a:solidFill>
-        <a:gradFill rotWithShape="1">
-          <a:gsLst>
-            <a:gs pos="0">
-              <a:schemeClr val="phClr">
-                <a:tint val="40000"/>
-                <a:satMod val="350000"/>
-              </a:schemeClr>
-            </a:gs>
-            <a:gs pos="40000">
-              <a:schemeClr val="phClr">
-                <a:tint val="45000"/>
-                <a:shade val="99000"/>
-                <a:satMod val="350000"/>
-              </a:schemeClr>
-            </a:gs>
-            <a:gs pos="100000">
-              <a:schemeClr val="phClr">
-                <a:shade val="20000"/>
-                <a:satMod val="255000"/>
-              </a:schemeClr>
-            </a:gs>
-          </a:gsLst>
-          <a:path path="circle">
-            <a:fillToRect l="50000" t="-80000" r="50000" b="180000"/>
-          </a:path>
-        </a:gradFill>
-        <a:gradFill rotWithShape="1">
-          <a:gsLst>
-            <a:gs pos="0">
-              <a:schemeClr val="phClr">
-                <a:tint val="80000"/>
-                <a:satMod val="300000"/>
-              </a:schemeClr>
-            </a:gs>
-            <a:gs pos="100000">
-              <a:schemeClr val="phClr">
-                <a:shade val="30000"/>
-                <a:satMod val="200000"/>
-              </a:schemeClr>
-            </a:gs>
-          </a:gsLst>
-          <a:path path="circle">
-            <a:fillToRect l="50000" t="50000" r="50000" b="50000"/>
-          </a:path>
-        </a:gradFill>
-      </a:bgFillStyleLst>
-    </a:fmtScheme>
-  </a:themeElements>
-</a:theme>
 </file>